--- a/Assets/Class/Invoke Functions/PPT Data/Invoke Function.pptx
+++ b/Assets/Class/Invoke Functions/PPT Data/Invoke Function.pptx
@@ -2,22 +2,22 @@
 <file path=ppt/presentation.xml><?xml version="1.0" encoding="utf-8"?>
 <p:presentation xmlns:a="http://schemas.openxmlformats.org/drawingml/2006/main" xmlns:r="http://schemas.openxmlformats.org/officeDocument/2006/relationships" xmlns:p="http://schemas.openxmlformats.org/presentationml/2006/main" xmlns:p14="http://schemas.microsoft.com/office/powerpoint/2010/main" saveSubsetFonts="1" firstSlideNum="0">
   <p:sldMasterIdLst>
-    <p:sldMasterId id="2147485629" r:id="rId23"/>
-    <p:sldMasterId id="2147485630" r:id="rId25"/>
+    <p:sldMasterId id="2147485637" r:id="rId23"/>
+    <p:sldMasterId id="2147485638" r:id="rId25"/>
   </p:sldMasterIdLst>
   <p:notesMasterIdLst>
     <p:notesMasterId r:id="rId27"/>
   </p:notesMasterIdLst>
   <p:sldIdLst>
     <p:sldId id="294" r:id="rId29"/>
-    <p:sldId id="278" r:id="rId30"/>
-    <p:sldId id="291" r:id="rId31"/>
-    <p:sldId id="284" r:id="rId32"/>
-    <p:sldId id="280" r:id="rId33"/>
-    <p:sldId id="283" r:id="rId34"/>
-    <p:sldId id="289" r:id="rId35"/>
-    <p:sldId id="292" r:id="rId36"/>
-    <p:sldId id="287" r:id="rId37"/>
+    <p:sldId id="278" r:id="rId31"/>
+    <p:sldId id="291" r:id="rId33"/>
+    <p:sldId id="284" r:id="rId34"/>
+    <p:sldId id="280" r:id="rId35"/>
+    <p:sldId id="283" r:id="rId37"/>
+    <p:sldId id="289" r:id="rId38"/>
+    <p:sldId id="292" r:id="rId39"/>
+    <p:sldId id="287" r:id="rId41"/>
   </p:sldIdLst>
   <p:sldSz cx="12192000" cy="6858000"/>
   <p:notesSz cx="6858000" cy="9144000"/>
@@ -12865,7 +12865,7 @@
       </p:sp>
       <p:pic>
         <p:nvPicPr>
-          <p:cNvPr id="1104" name="Picture "/>
+          <p:cNvPr id="1104" name="Picture " descr="C:/Users/Admin1/AppData/Roaming/PolarisOffice/ETemp/60800_22737408/fImage603920141.png"/>
           <p:cNvPicPr>
             <a:picLocks noChangeAspect="1"/>
           </p:cNvPicPr>
@@ -12885,8 +12885,8 @@
         </p:blipFill>
         <p:spPr>
           <a:xfrm rot="0">
-            <a:off x="6857365" y="3148330"/>
-            <a:ext cx="4403090" cy="1212850"/>
+            <a:off x="6857365" y="3432810"/>
+            <a:ext cx="4403725" cy="962025"/>
           </a:xfrm>
           <a:prstGeom prst="rect"/>
           <a:noFill/>
@@ -12932,7 +12932,7 @@
         <p:spPr>
           <a:xfrm rot="0">
             <a:off x="6855460" y="4450080"/>
-            <a:ext cx="4424680" cy="1201420"/>
+            <a:ext cx="4425315" cy="1200785"/>
           </a:xfrm>
           <a:prstGeom prst="rect"/>
           <a:noFill/>
@@ -12951,6 +12951,16 @@
               <a:buFontTx/>
               <a:buNone/>
             </a:pPr>
+            <a:r>
+              <a:rPr lang="ko-KR" sz="1800" b="1">
+                <a:solidFill>
+                  <a:srgbClr val="0611F2"/>
+                </a:solidFill>
+                <a:latin typeface="맑은 고딕" charset="0"/>
+                <a:ea typeface="맑은 고딕" charset="0"/>
+              </a:rPr>
+              <a:t>3. </a:t>
+            </a:r>
             <a:r>
               <a:rPr lang="ko-KR" sz="1800">
                 <a:latin typeface="맑은 고딕" charset="0"/>
@@ -13032,9 +13042,9 @@
           <p:nvPr/>
         </p:nvSpPr>
         <p:spPr>
-          <a:xfrm rot="0">
+          <a:xfrm>
             <a:off x="1186180" y="5003800"/>
-            <a:ext cx="4168775" cy="647700"/>
+            <a:ext cx="4169410" cy="647065"/>
           </a:xfrm>
           <a:prstGeom prst="rect"/>
           <a:noFill/>
@@ -13053,6 +13063,23 @@
               <a:buFontTx/>
               <a:buNone/>
             </a:pPr>
+            <a:r>
+              <a:rPr lang="ko-KR" sz="1800" b="1">
+                <a:solidFill>
+                  <a:srgbClr val="0611F2"/>
+                </a:solidFill>
+                <a:latin typeface="맑은 고딕" charset="0"/>
+                <a:ea typeface="맑은 고딕" charset="0"/>
+              </a:rPr>
+              <a:t>1.</a:t>
+            </a:r>
+            <a:r>
+              <a:rPr lang="ko-KR" sz="1800">
+                <a:latin typeface="맑은 고딕" charset="0"/>
+                <a:ea typeface="맑은 고딕" charset="0"/>
+              </a:rPr>
+              <a:t> </a:t>
+            </a:r>
             <a:r>
               <a:rPr lang="ko-KR" sz="1800">
                 <a:latin typeface="맑은 고딕" charset="0"/>
@@ -13170,9 +13197,9 @@
           <p:nvPr/>
         </p:nvSpPr>
         <p:spPr>
-          <a:xfrm rot="0">
+          <a:xfrm>
             <a:off x="6855460" y="2418080"/>
-            <a:ext cx="4417060" cy="647065"/>
+            <a:ext cx="4417695" cy="923925"/>
           </a:xfrm>
           <a:prstGeom prst="rect"/>
           <a:noFill/>
@@ -13192,32 +13219,21 @@
               <a:buNone/>
             </a:pPr>
             <a:r>
+              <a:rPr lang="ko-KR" sz="1800" b="1">
+                <a:solidFill>
+                  <a:srgbClr val="0611F2"/>
+                </a:solidFill>
+                <a:latin typeface="맑은 고딕" charset="0"/>
+                <a:ea typeface="맑은 고딕" charset="0"/>
+              </a:rPr>
+              <a:t>2. </a:t>
+            </a:r>
+            <a:r>
               <a:rPr lang="ko-KR" sz="1800">
                 <a:latin typeface="맑은 고딕" charset="0"/>
                 <a:ea typeface="맑은 고딕" charset="0"/>
               </a:rPr>
-              <a:t>그리고 </a:t>
-            </a:r>
-            <a:r>
-              <a:rPr lang="ko-KR" sz="1800">
-                <a:latin typeface="맑은 고딕" charset="0"/>
-                <a:ea typeface="맑은 고딕" charset="0"/>
-              </a:rPr>
-              <a:t>Keystroke 스크립트를 생성하여 Capsule 게임 오브젝트</a:t>
-            </a:r>
-            <a:r>
-              <a:rPr lang="ko-KR" sz="1800">
-                <a:latin typeface="맑은 고딕" charset="0"/>
-                <a:ea typeface="맑은 고딕" charset="0"/>
-              </a:rPr>
-              <a:t>에</a:t>
-            </a:r>
-            <a:r>
-              <a:rPr lang="ko-KR" sz="1800">
-                <a:latin typeface="맑은 고딕" charset="0"/>
-                <a:ea typeface="맑은 고딕" charset="0"/>
-              </a:rPr>
-              <a:t> 넣어줍니다.</a:t>
+              <a:t>그리고 Keystroke 스크립트를 생성하여 Capsule 게임 오브젝트에 넣어줍니다.</a:t>
             </a:r>
             <a:endParaRPr lang="ko-KR" altLang="en-US" sz="1800">
               <a:latin typeface="맑은 고딕" charset="0"/>
@@ -13437,8 +13453,8 @@
         </p:nvSpPr>
         <p:spPr>
           <a:xfrm rot="0">
-            <a:off x="1203325" y="3906520"/>
-            <a:ext cx="4136390" cy="647700"/>
+            <a:off x="1203325" y="3956050"/>
+            <a:ext cx="4137025" cy="647065"/>
           </a:xfrm>
           <a:prstGeom prst="rect"/>
           <a:noFill/>
@@ -13457,6 +13473,16 @@
               <a:buFontTx/>
               <a:buNone/>
             </a:pPr>
+            <a:r>
+              <a:rPr lang="ko-KR" sz="1800" b="1">
+                <a:solidFill>
+                  <a:srgbClr val="0611F2"/>
+                </a:solidFill>
+                <a:latin typeface="맑은 고딕" charset="0"/>
+                <a:ea typeface="맑은 고딕" charset="0"/>
+              </a:rPr>
+              <a:t>4. </a:t>
+            </a:r>
             <a:r>
               <a:rPr lang="ko-KR" sz="1800">
                 <a:latin typeface="맑은 고딕" charset="0"/>
@@ -13569,9 +13595,9 @@
           <p:nvPr/>
         </p:nvSpPr>
         <p:spPr>
-          <a:xfrm rot="0">
+          <a:xfrm>
             <a:off x="6930390" y="1092835"/>
-            <a:ext cx="4361815" cy="647065"/>
+            <a:ext cx="4362450" cy="647065"/>
           </a:xfrm>
           <a:prstGeom prst="rect"/>
           <a:noFill/>
@@ -13591,32 +13617,21 @@
               <a:buNone/>
             </a:pPr>
             <a:r>
+              <a:rPr lang="ko-KR" sz="1800" b="1">
+                <a:solidFill>
+                  <a:srgbClr val="0611F2"/>
+                </a:solidFill>
+                <a:latin typeface="맑은 고딕" charset="0"/>
+                <a:ea typeface="맑은 고딕" charset="0"/>
+              </a:rPr>
+              <a:t>5. </a:t>
+            </a:r>
+            <a:r>
               <a:rPr lang="ko-KR" sz="1800">
                 <a:latin typeface="맑은 고딕" charset="0"/>
                 <a:ea typeface="맑은 고딕" charset="0"/>
               </a:rPr>
-              <a:t>그다음 Cube</a:t>
-            </a:r>
-            <a:r>
-              <a:rPr lang="ko-KR" sz="1800">
-                <a:latin typeface="맑은 고딕" charset="0"/>
-                <a:ea typeface="맑은 고딕" charset="0"/>
-              </a:rPr>
-              <a:t>오브젝트</a:t>
-            </a:r>
-            <a:r>
-              <a:rPr lang="ko-KR" sz="1800">
-                <a:latin typeface="맑은 고딕" charset="0"/>
-                <a:ea typeface="맑은 고딕" charset="0"/>
-              </a:rPr>
-              <a:t>에 ObjectMove 스크립트 생성하여 넣어줍니다.</a:t>
-            </a:r>
-            <a:r>
-              <a:rPr lang="ko-KR" sz="1800">
-                <a:latin typeface="맑은 고딕" charset="0"/>
-                <a:ea typeface="맑은 고딕" charset="0"/>
-              </a:rPr>
-              <a:t> </a:t>
+              <a:t>그다음 Cube오브젝트에 ObjectMove 스크립트 생성하여 넣어줍니다. </a:t>
             </a:r>
             <a:endParaRPr lang="ko-KR" altLang="en-US" sz="1800">
               <a:latin typeface="맑은 고딕" charset="0"/>
@@ -13755,9 +13770,9 @@
           <p:nvPr/>
         </p:nvSpPr>
         <p:spPr>
-          <a:xfrm rot="0">
+          <a:xfrm>
             <a:off x="6932295" y="2463165"/>
-            <a:ext cx="4361815" cy="923925"/>
+            <a:ext cx="4362450" cy="923925"/>
           </a:xfrm>
           <a:prstGeom prst="rect"/>
           <a:noFill/>
@@ -13777,6 +13792,16 @@
               <a:buNone/>
             </a:pPr>
             <a:r>
+              <a:rPr lang="ko-KR" sz="1800" b="1">
+                <a:solidFill>
+                  <a:srgbClr val="0611F2"/>
+                </a:solidFill>
+                <a:latin typeface="맑은 고딕" charset="0"/>
+                <a:ea typeface="맑은 고딕" charset="0"/>
+              </a:rPr>
+              <a:t>6. </a:t>
+            </a:r>
+            <a:r>
               <a:rPr lang="ko-KR" sz="1800">
                 <a:latin typeface="맑은 고딕" charset="0"/>
                 <a:ea typeface="맑은 고딕" charset="0"/>
@@ -13792,17 +13817,17 @@
       </p:sp>
       <p:pic>
         <p:nvPicPr>
-          <p:cNvPr id="1119" name="그림 32"/>
+          <p:cNvPr id="1119" name="그림 32" descr="C:/Users/Admin1/AppData/Roaming/PolarisOffice/ETemp/60800_22737408/fImage237342359169.png"/>
           <p:cNvPicPr>
             <a:picLocks noChangeAspect="1"/>
           </p:cNvPicPr>
           <p:nvPr/>
         </p:nvPicPr>
         <p:blipFill rotWithShape="1">
-          <a:blip r:embed="rId25" cstate="print">
+          <a:blip r:embed="rId25" cstate="hqprint">
             <a:extLst>
               <a:ext uri="{28A0092B-C50C-407E-A947-70E740481C1C}">
-                <a14:useLocalDpi xmlns:a14="http://schemas.microsoft.com/office/drawing/2010/main" val="0"/>
+                <a14:useLocalDpi xmlns:a14="http://schemas.microsoft.com/office/drawing/2010/main"/>
               </a:ext>
             </a:extLst>
           </a:blip>
@@ -13812,8 +13837,8 @@
         </p:blipFill>
         <p:spPr>
           <a:xfrm rot="0">
-            <a:off x="6910705" y="3470275"/>
-            <a:ext cx="4260215" cy="1197610"/>
+            <a:off x="6924675" y="3503295"/>
+            <a:ext cx="4364990" cy="1198245"/>
           </a:xfrm>
           <a:prstGeom prst="rect"/>
           <a:noFill/>
@@ -13830,7 +13855,7 @@
         <p:spPr>
           <a:xfrm rot="0">
             <a:off x="6925945" y="4820920"/>
-            <a:ext cx="4375150" cy="923925"/>
+            <a:ext cx="4355465" cy="923925"/>
           </a:xfrm>
           <a:prstGeom prst="rect"/>
           <a:noFill/>
@@ -13849,6 +13874,16 @@
               <a:buFontTx/>
               <a:buNone/>
             </a:pPr>
+            <a:r>
+              <a:rPr lang="ko-KR" sz="1800" b="1">
+                <a:solidFill>
+                  <a:srgbClr val="0611F2"/>
+                </a:solidFill>
+                <a:latin typeface="맑은 고딕" charset="0"/>
+                <a:ea typeface="맑은 고딕" charset="0"/>
+              </a:rPr>
+              <a:t>7. </a:t>
+            </a:r>
             <a:r>
               <a:rPr lang="ko-KR" sz="1800">
                 <a:latin typeface="맑은 고딕" charset="0"/>
@@ -14344,9 +14379,9 @@
           <p:nvPr/>
         </p:nvSpPr>
         <p:spPr>
-          <a:xfrm rot="0">
+          <a:xfrm>
             <a:off x="1208405" y="4743450"/>
-            <a:ext cx="4158615" cy="923925"/>
+            <a:ext cx="4159250" cy="923925"/>
           </a:xfrm>
           <a:prstGeom prst="rect"/>
           <a:noFill/>
@@ -14366,6 +14401,23 @@
               <a:buNone/>
             </a:pPr>
             <a:r>
+              <a:rPr lang="ko-KR" sz="1800" b="1">
+                <a:solidFill>
+                  <a:srgbClr val="0611F2"/>
+                </a:solidFill>
+                <a:latin typeface="맑은 고딕" charset="0"/>
+                <a:ea typeface="맑은 고딕" charset="0"/>
+              </a:rPr>
+              <a:t>8.</a:t>
+            </a:r>
+            <a:r>
+              <a:rPr lang="ko-KR" sz="1800">
+                <a:latin typeface="맑은 고딕" charset="0"/>
+                <a:ea typeface="맑은 고딕" charset="0"/>
+              </a:rPr>
+              <a:t> </a:t>
+            </a:r>
+            <a:r>
               <a:rPr lang="ko-KR" sz="1800">
                 <a:latin typeface="맑은 고딕" charset="0"/>
                 <a:ea typeface="맑은 고딕" charset="0"/>
@@ -14380,7 +14432,7 @@
                 <a:latin typeface="맑은 고딕" charset="0"/>
                 <a:ea typeface="맑은 고딕" charset="0"/>
               </a:rPr>
-              <a:t> [Mesh</a:t>
+              <a:t> </a:t>
             </a:r>
             <a:r>
               <a:rPr lang="ko-KR" sz="1800">
@@ -14390,61 +14442,14 @@
                 <a:latin typeface="맑은 고딕" charset="0"/>
                 <a:ea typeface="맑은 고딕" charset="0"/>
               </a:rPr>
-              <a:t> </a:t>
+              <a:t>[Mesh Renderer] 에 현재 생성한 머티리얼을 </a:t>
             </a:r>
             <a:r>
               <a:rPr lang="ko-KR" sz="1800">
-                <a:solidFill>
-                  <a:schemeClr val="tx1"/>
-                </a:solidFill>
-                <a:latin typeface="맑은 고딕" charset="0"/>
-                <a:ea typeface="맑은 고딕" charset="0"/>
-              </a:rPr>
-              <a:t>Renderer]</a:t>
-            </a:r>
-            <a:r>
-              <a:rPr lang="ko-KR" sz="1800">
-                <a:solidFill>
-                  <a:schemeClr val="tx1"/>
-                </a:solidFill>
-                <a:latin typeface="맑은 고딕" charset="0"/>
-                <a:ea typeface="맑은 고딕" charset="0"/>
-              </a:rPr>
-              <a:t> </a:t>
-            </a:r>
-            <a:r>
-              <a:rPr lang="ko-KR" sz="1800">
-                <a:solidFill>
-                  <a:schemeClr val="tx1"/>
-                </a:solidFill>
-                <a:latin typeface="맑은 고딕" charset="0"/>
-                <a:ea typeface="맑은 고딕" charset="0"/>
-              </a:rPr>
-              <a:t>에 현재 생성한 머티리얼을</a:t>
-            </a:r>
-            <a:r>
-              <a:rPr lang="ko-KR" sz="1800">
-                <a:solidFill>
-                  <a:schemeClr val="tx1"/>
-                </a:solidFill>
-                <a:latin typeface="맑은 고딕" charset="0"/>
-                <a:ea typeface="맑은 고딕" charset="0"/>
-              </a:rPr>
-              <a:t> </a:t>
-            </a:r>
-            <a:r>
-              <a:rPr lang="ko-KR" sz="1800">
-                <a:latin typeface="맑은 고딕" charset="0"/>
-                <a:ea typeface="맑은 고딕" charset="0"/>
-              </a:rPr>
-              <a:t>넣어줍니다</a:t>
-            </a:r>
-            <a:r>
-              <a:rPr lang="ko-KR" sz="1800">
-                <a:latin typeface="맑은 고딕" charset="0"/>
-                <a:ea typeface="맑은 고딕" charset="0"/>
-              </a:rPr>
-              <a:t>.</a:t>
+                <a:latin typeface="맑은 고딕" charset="0"/>
+                <a:ea typeface="맑은 고딕" charset="0"/>
+              </a:rPr>
+              <a:t>넣어줍니다.</a:t>
             </a:r>
             <a:endParaRPr lang="ko-KR" altLang="en-US" sz="1800">
               <a:latin typeface="맑은 고딕" charset="0"/>
@@ -14549,9 +14554,9 @@
           <p:nvPr/>
         </p:nvSpPr>
         <p:spPr>
-          <a:xfrm rot="0">
+          <a:xfrm>
             <a:off x="6821805" y="2762885"/>
-            <a:ext cx="4158615" cy="923925"/>
+            <a:ext cx="4159250" cy="923925"/>
           </a:xfrm>
           <a:prstGeom prst="rect"/>
           <a:noFill/>
@@ -14571,6 +14576,16 @@
               <a:buNone/>
             </a:pPr>
             <a:r>
+              <a:rPr lang="ko-KR" sz="1800" b="1">
+                <a:solidFill>
+                  <a:srgbClr val="0611F2"/>
+                </a:solidFill>
+                <a:latin typeface="맑은 고딕" charset="0"/>
+                <a:ea typeface="맑은 고딕" charset="0"/>
+              </a:rPr>
+              <a:t>9. </a:t>
+            </a:r>
+            <a:r>
               <a:rPr lang="ko-KR" sz="1800">
                 <a:latin typeface="맑은 고딕" charset="0"/>
                 <a:ea typeface="맑은 고딕" charset="0"/>
@@ -14595,7 +14610,7 @@
         <p:spPr>
           <a:xfrm>
             <a:off x="6833235" y="4739640"/>
-            <a:ext cx="4159885" cy="923925"/>
+            <a:ext cx="4160520" cy="923925"/>
           </a:xfrm>
           <a:prstGeom prst="rect"/>
           <a:noFill/>
@@ -14614,6 +14629,16 @@
               <a:buFontTx/>
               <a:buNone/>
             </a:pPr>
+            <a:r>
+              <a:rPr lang="ko-KR" sz="1800" b="1">
+                <a:solidFill>
+                  <a:srgbClr val="0611F2"/>
+                </a:solidFill>
+                <a:latin typeface="맑은 고딕" charset="0"/>
+                <a:ea typeface="맑은 고딕" charset="0"/>
+              </a:rPr>
+              <a:t>10. </a:t>
+            </a:r>
             <a:r>
               <a:rPr lang="ko-KR" sz="1800">
                 <a:latin typeface="맑은 고딕" charset="0"/>
@@ -14838,9 +14863,9 @@
           <p:nvPr/>
         </p:nvSpPr>
         <p:spPr>
-          <a:xfrm rot="0">
+          <a:xfrm>
             <a:off x="1210310" y="4999355"/>
-            <a:ext cx="4135120" cy="647065"/>
+            <a:ext cx="4135755" cy="647065"/>
           </a:xfrm>
           <a:prstGeom prst="rect"/>
           <a:noFill/>
@@ -14860,6 +14885,23 @@
               <a:buNone/>
             </a:pPr>
             <a:r>
+              <a:rPr lang="ko-KR" sz="1800" b="1">
+                <a:solidFill>
+                  <a:srgbClr val="0611F2"/>
+                </a:solidFill>
+                <a:latin typeface="맑은 고딕" charset="0"/>
+                <a:ea typeface="맑은 고딕" charset="0"/>
+              </a:rPr>
+              <a:t>11.</a:t>
+            </a:r>
+            <a:r>
+              <a:rPr lang="ko-KR" sz="1800">
+                <a:latin typeface="맑은 고딕" charset="0"/>
+                <a:ea typeface="맑은 고딕" charset="0"/>
+              </a:rPr>
+              <a:t> </a:t>
+            </a:r>
+            <a:r>
               <a:rPr lang="ko-KR" sz="1800">
                 <a:latin typeface="맑은 고딕" charset="0"/>
                 <a:ea typeface="맑은 고딕" charset="0"/>
@@ -14882,9 +14924,9 @@
           <p:nvPr/>
         </p:nvSpPr>
         <p:spPr>
-          <a:xfrm rot="0">
+          <a:xfrm>
             <a:off x="6794500" y="2280285"/>
-            <a:ext cx="4445635" cy="923925"/>
+            <a:ext cx="4446270" cy="923925"/>
           </a:xfrm>
           <a:prstGeom prst="rect"/>
           <a:noFill/>
@@ -14903,6 +14945,23 @@
               <a:buFontTx/>
               <a:buNone/>
             </a:pPr>
+            <a:r>
+              <a:rPr lang="ko-KR" sz="1800" b="1">
+                <a:solidFill>
+                  <a:srgbClr val="0611F2"/>
+                </a:solidFill>
+                <a:latin typeface="맑은 고딕" charset="0"/>
+                <a:ea typeface="맑은 고딕" charset="0"/>
+              </a:rPr>
+              <a:t>12.</a:t>
+            </a:r>
+            <a:r>
+              <a:rPr lang="ko-KR" sz="1800">
+                <a:latin typeface="맑은 고딕" charset="0"/>
+                <a:ea typeface="맑은 고딕" charset="0"/>
+              </a:rPr>
+              <a:t> </a:t>
+            </a:r>
             <a:r>
               <a:rPr lang="ko-KR" sz="1800">
                 <a:latin typeface="맑은 고딕" charset="0"/>
@@ -15015,9 +15074,9 @@
           <p:nvPr/>
         </p:nvSpPr>
         <p:spPr>
-          <a:xfrm rot="0">
+          <a:xfrm>
             <a:off x="6794500" y="4447540"/>
-            <a:ext cx="4411345" cy="1200785"/>
+            <a:ext cx="4411980" cy="1200785"/>
           </a:xfrm>
           <a:prstGeom prst="rect"/>
           <a:noFill/>
@@ -15036,6 +15095,23 @@
               <a:buFontTx/>
               <a:buNone/>
             </a:pPr>
+            <a:r>
+              <a:rPr lang="ko-KR" sz="1800" b="1">
+                <a:solidFill>
+                  <a:srgbClr val="0611F2"/>
+                </a:solidFill>
+                <a:latin typeface="맑은 고딕" charset="0"/>
+                <a:ea typeface="맑은 고딕" charset="0"/>
+              </a:rPr>
+              <a:t>13.</a:t>
+            </a:r>
+            <a:r>
+              <a:rPr lang="ko-KR" sz="1800">
+                <a:latin typeface="맑은 고딕" charset="0"/>
+                <a:ea typeface="맑은 고딕" charset="0"/>
+              </a:rPr>
+              <a:t> </a:t>
+            </a:r>
             <a:r>
               <a:rPr lang="ko-KR" sz="1800">
                 <a:latin typeface="맑은 고딕" charset="0"/>
